--- a/assets/architecture.pptx
+++ b/assets/architecture.pptx
@@ -3335,7 +3335,101 @@
         </p:nvSpPr>
         <p:spPr>
           <a:xfrm>
-            <a:off x="5138309" y="882707"/>
+            <a:off x="5784977" y="1182556"/>
+            <a:ext cx="3247810" cy="1442021"/>
+          </a:xfrm>
+          <a:prstGeom prst="rect">
+            <a:avLst/>
+          </a:prstGeom>
+        </p:spPr>
+        <p:style>
+          <a:lnRef idx="0">
+            <a:schemeClr val="accent5"/>
+          </a:lnRef>
+          <a:fillRef idx="3">
+            <a:schemeClr val="accent5"/>
+          </a:fillRef>
+          <a:effectRef idx="3">
+            <a:schemeClr val="accent5"/>
+          </a:effectRef>
+          <a:fontRef idx="minor">
+            <a:schemeClr val="lt1"/>
+          </a:fontRef>
+        </p:style>
+        <p:txBody>
+          <a:bodyPr rtlCol="0" anchor="t"/>
+          <a:lstStyle/>
+          <a:p>
+            <a:r>
+              <a:rPr lang="de-DE" dirty="0"/>
+              <a:t>Compiler</a:t>
+            </a:r>
+          </a:p>
+        </p:txBody>
+      </p:sp>
+      <p:sp>
+        <p:nvSpPr>
+          <p:cNvPr id="5" name="Rechteck 4">
+            <a:extLst>
+              <a:ext uri="{FF2B5EF4-FFF2-40B4-BE49-F238E27FC236}">
+                <a16:creationId xmlns:a16="http://schemas.microsoft.com/office/drawing/2014/main" id="{7EB26AFB-1EF6-4AD8-AF2C-96F1A05718C7}"/>
+              </a:ext>
+            </a:extLst>
+          </p:cNvPr>
+          <p:cNvSpPr/>
+          <p:nvPr/>
+        </p:nvSpPr>
+        <p:spPr>
+          <a:xfrm>
+            <a:off x="3159125" y="1434640"/>
+            <a:ext cx="2010116" cy="937853"/>
+          </a:xfrm>
+          <a:prstGeom prst="rect">
+            <a:avLst/>
+          </a:prstGeom>
+        </p:spPr>
+        <p:style>
+          <a:lnRef idx="0">
+            <a:schemeClr val="accent5"/>
+          </a:lnRef>
+          <a:fillRef idx="3">
+            <a:schemeClr val="accent5"/>
+          </a:fillRef>
+          <a:effectRef idx="3">
+            <a:schemeClr val="accent5"/>
+          </a:effectRef>
+          <a:fontRef idx="minor">
+            <a:schemeClr val="lt1"/>
+          </a:fontRef>
+        </p:style>
+        <p:txBody>
+          <a:bodyPr rtlCol="0" anchor="ctr"/>
+          <a:lstStyle/>
+          <a:p>
+            <a:pPr algn="ctr"/>
+            <a:r>
+              <a:rPr lang="de-DE" dirty="0" err="1"/>
+              <a:t>DocumentModel</a:t>
+            </a:r>
+            <a:endParaRPr lang="de-DE" dirty="0"/>
+          </a:p>
+        </p:txBody>
+      </p:sp>
+      <p:sp>
+        <p:nvSpPr>
+          <p:cNvPr id="6" name="Rechteck 5">
+            <a:extLst>
+              <a:ext uri="{FF2B5EF4-FFF2-40B4-BE49-F238E27FC236}">
+                <a16:creationId xmlns:a16="http://schemas.microsoft.com/office/drawing/2014/main" id="{95995F0D-743F-4837-8AFA-01636E9255DE}"/>
+              </a:ext>
+            </a:extLst>
+          </p:cNvPr>
+          <p:cNvSpPr/>
+          <p:nvPr/>
+        </p:nvSpPr>
+        <p:spPr>
+          <a:xfrm>
+            <a:off x="702106" y="1434639"/>
             <a:ext cx="1437587" cy="937853"/>
           </a:xfrm>
           <a:prstGeom prst="rect">
@@ -3343,17 +3437,17 @@
           </a:prstGeom>
         </p:spPr>
         <p:style>
-          <a:lnRef idx="1">
-            <a:schemeClr val="dk1"/>
+          <a:lnRef idx="0">
+            <a:schemeClr val="accent5"/>
           </a:lnRef>
-          <a:fillRef idx="2">
-            <a:schemeClr val="dk1"/>
+          <a:fillRef idx="3">
+            <a:schemeClr val="accent5"/>
           </a:fillRef>
-          <a:effectRef idx="1">
-            <a:schemeClr val="dk1"/>
+          <a:effectRef idx="3">
+            <a:schemeClr val="accent5"/>
           </a:effectRef>
           <a:fontRef idx="minor">
-            <a:schemeClr val="dk1"/>
+            <a:schemeClr val="lt1"/>
           </a:fontRef>
         </p:style>
         <p:txBody>
@@ -3362,19 +3456,18 @@
           <a:p>
             <a:pPr algn="ctr"/>
             <a:r>
-              <a:rPr lang="de-DE" dirty="0" err="1"/>
-              <a:t>compiler</a:t>
-            </a:r>
-            <a:endParaRPr lang="de-DE" dirty="0"/>
-          </a:p>
-        </p:txBody>
-      </p:sp>
-      <p:sp>
-        <p:nvSpPr>
-          <p:cNvPr id="5" name="Rechteck 4">
-            <a:extLst>
-              <a:ext uri="{FF2B5EF4-FFF2-40B4-BE49-F238E27FC236}">
-                <a16:creationId xmlns:a16="http://schemas.microsoft.com/office/drawing/2014/main" id="{7EB26AFB-1EF6-4AD8-AF2C-96F1A05718C7}"/>
+              <a:rPr lang="de-DE" dirty="0"/>
+              <a:t>Parser</a:t>
+            </a:r>
+          </a:p>
+        </p:txBody>
+      </p:sp>
+      <p:sp>
+        <p:nvSpPr>
+          <p:cNvPr id="7" name="Rechteck 6">
+            <a:extLst>
+              <a:ext uri="{FF2B5EF4-FFF2-40B4-BE49-F238E27FC236}">
+                <a16:creationId xmlns:a16="http://schemas.microsoft.com/office/drawing/2014/main" id="{73E35109-C6BA-4627-A140-253AF01F05F2}"/>
               </a:ext>
             </a:extLst>
           </p:cNvPr>
@@ -3383,55 +3476,7 @@
         </p:nvSpPr>
         <p:spPr>
           <a:xfrm>
-            <a:off x="2463030" y="882707"/>
-            <a:ext cx="2010116" cy="937853"/>
-          </a:xfrm>
-          <a:prstGeom prst="rect">
-            <a:avLst/>
-          </a:prstGeom>
-        </p:spPr>
-        <p:style>
-          <a:lnRef idx="1">
-            <a:schemeClr val="dk1"/>
-          </a:lnRef>
-          <a:fillRef idx="2">
-            <a:schemeClr val="dk1"/>
-          </a:fillRef>
-          <a:effectRef idx="1">
-            <a:schemeClr val="dk1"/>
-          </a:effectRef>
-          <a:fontRef idx="minor">
-            <a:schemeClr val="dk1"/>
-          </a:fontRef>
-        </p:style>
-        <p:txBody>
-          <a:bodyPr rtlCol="0" anchor="ctr"/>
-          <a:lstStyle/>
-          <a:p>
-            <a:pPr algn="ctr"/>
-            <a:r>
-              <a:rPr lang="de-DE" dirty="0" err="1"/>
-              <a:t>documentModel</a:t>
-            </a:r>
-            <a:endParaRPr lang="de-DE" dirty="0"/>
-          </a:p>
-        </p:txBody>
-      </p:sp>
-      <p:sp>
-        <p:nvSpPr>
-          <p:cNvPr id="6" name="Rechteck 5">
-            <a:extLst>
-              <a:ext uri="{FF2B5EF4-FFF2-40B4-BE49-F238E27FC236}">
-                <a16:creationId xmlns:a16="http://schemas.microsoft.com/office/drawing/2014/main" id="{95995F0D-743F-4837-8AFA-01636E9255DE}"/>
-              </a:ext>
-            </a:extLst>
-          </p:cNvPr>
-          <p:cNvSpPr/>
-          <p:nvPr/>
-        </p:nvSpPr>
-        <p:spPr>
-          <a:xfrm>
-            <a:off x="572403" y="882707"/>
+            <a:off x="10036708" y="1434637"/>
             <a:ext cx="1437587" cy="937853"/>
           </a:xfrm>
           <a:prstGeom prst="rect">
@@ -3439,17 +3484,17 @@
           </a:prstGeom>
         </p:spPr>
         <p:style>
-          <a:lnRef idx="1">
-            <a:schemeClr val="dk1"/>
+          <a:lnRef idx="0">
+            <a:schemeClr val="accent5"/>
           </a:lnRef>
-          <a:fillRef idx="2">
-            <a:schemeClr val="dk1"/>
+          <a:fillRef idx="3">
+            <a:schemeClr val="accent5"/>
           </a:fillRef>
-          <a:effectRef idx="1">
-            <a:schemeClr val="dk1"/>
+          <a:effectRef idx="3">
+            <a:schemeClr val="accent5"/>
           </a:effectRef>
           <a:fontRef idx="minor">
-            <a:schemeClr val="dk1"/>
+            <a:schemeClr val="lt1"/>
           </a:fontRef>
         </p:style>
         <p:txBody>
@@ -3458,8 +3503,12 @@
           <a:p>
             <a:pPr algn="ctr"/>
             <a:r>
+              <a:rPr lang="de-DE" dirty="0"/>
+              <a:t>MIDI </a:t>
+            </a:r>
+            <a:r>
               <a:rPr lang="de-DE" dirty="0" err="1"/>
-              <a:t>parser</a:t>
+              <a:t>context</a:t>
             </a:r>
             <a:endParaRPr lang="de-DE" dirty="0"/>
           </a:p>
@@ -3467,10 +3516,10 @@
       </p:sp>
       <p:sp>
         <p:nvSpPr>
-          <p:cNvPr id="7" name="Rechteck 6">
-            <a:extLst>
-              <a:ext uri="{FF2B5EF4-FFF2-40B4-BE49-F238E27FC236}">
-                <a16:creationId xmlns:a16="http://schemas.microsoft.com/office/drawing/2014/main" id="{73E35109-C6BA-4627-A140-253AF01F05F2}"/>
+          <p:cNvPr id="8" name="Rechteck 7">
+            <a:extLst>
+              <a:ext uri="{FF2B5EF4-FFF2-40B4-BE49-F238E27FC236}">
+                <a16:creationId xmlns:a16="http://schemas.microsoft.com/office/drawing/2014/main" id="{9308B948-98C9-486A-9592-577006B4063C}"/>
               </a:ext>
             </a:extLst>
           </p:cNvPr>
@@ -3479,7 +3528,7 @@
         </p:nvSpPr>
         <p:spPr>
           <a:xfrm>
-            <a:off x="9531094" y="775614"/>
+            <a:off x="3706942" y="4254044"/>
             <a:ext cx="1437587" cy="937853"/>
           </a:xfrm>
           <a:prstGeom prst="rect">
@@ -3487,17 +3536,17 @@
           </a:prstGeom>
         </p:spPr>
         <p:style>
-          <a:lnRef idx="1">
-            <a:schemeClr val="dk1"/>
+          <a:lnRef idx="0">
+            <a:schemeClr val="accent5"/>
           </a:lnRef>
-          <a:fillRef idx="2">
-            <a:schemeClr val="dk1"/>
+          <a:fillRef idx="3">
+            <a:schemeClr val="accent5"/>
           </a:fillRef>
-          <a:effectRef idx="1">
-            <a:schemeClr val="dk1"/>
+          <a:effectRef idx="3">
+            <a:schemeClr val="accent5"/>
           </a:effectRef>
           <a:fontRef idx="minor">
-            <a:schemeClr val="dk1"/>
+            <a:schemeClr val="lt1"/>
           </a:fontRef>
         </p:style>
         <p:txBody>
@@ -3507,22 +3556,17 @@
             <a:pPr algn="ctr"/>
             <a:r>
               <a:rPr lang="de-DE" dirty="0"/>
-              <a:t>MIDI </a:t>
-            </a:r>
-            <a:r>
-              <a:rPr lang="de-DE" dirty="0" err="1"/>
-              <a:t>context</a:t>
-            </a:r>
-            <a:endParaRPr lang="de-DE" dirty="0"/>
-          </a:p>
-        </p:txBody>
-      </p:sp>
-      <p:sp>
-        <p:nvSpPr>
-          <p:cNvPr id="8" name="Rechteck 7">
-            <a:extLst>
-              <a:ext uri="{FF2B5EF4-FFF2-40B4-BE49-F238E27FC236}">
-                <a16:creationId xmlns:a16="http://schemas.microsoft.com/office/drawing/2014/main" id="{9308B948-98C9-486A-9592-577006B4063C}"/>
+              <a:t>MIDI Data</a:t>
+            </a:r>
+          </a:p>
+        </p:txBody>
+      </p:sp>
+      <p:sp>
+        <p:nvSpPr>
+          <p:cNvPr id="9" name="Rechteck 8">
+            <a:extLst>
+              <a:ext uri="{FF2B5EF4-FFF2-40B4-BE49-F238E27FC236}">
+                <a16:creationId xmlns:a16="http://schemas.microsoft.com/office/drawing/2014/main" id="{FAF68C41-13D7-4966-A036-3A25C7A46CC2}"/>
               </a:ext>
             </a:extLst>
           </p:cNvPr>
@@ -3531,7 +3575,7 @@
         </p:nvSpPr>
         <p:spPr>
           <a:xfrm>
-            <a:off x="9531093" y="2324728"/>
+            <a:off x="5874394" y="4254044"/>
             <a:ext cx="1437587" cy="937853"/>
           </a:xfrm>
           <a:prstGeom prst="rect">
@@ -3539,69 +3583,17 @@
           </a:prstGeom>
         </p:spPr>
         <p:style>
-          <a:lnRef idx="1">
-            <a:schemeClr val="dk1"/>
+          <a:lnRef idx="0">
+            <a:schemeClr val="accent5"/>
           </a:lnRef>
-          <a:fillRef idx="2">
-            <a:schemeClr val="dk1"/>
+          <a:fillRef idx="3">
+            <a:schemeClr val="accent5"/>
           </a:fillRef>
-          <a:effectRef idx="1">
-            <a:schemeClr val="dk1"/>
+          <a:effectRef idx="3">
+            <a:schemeClr val="accent5"/>
           </a:effectRef>
           <a:fontRef idx="minor">
-            <a:schemeClr val="dk1"/>
-          </a:fontRef>
-        </p:style>
-        <p:txBody>
-          <a:bodyPr rtlCol="0" anchor="ctr"/>
-          <a:lstStyle/>
-          <a:p>
-            <a:pPr algn="ctr"/>
-            <a:r>
-              <a:rPr lang="de-DE" dirty="0"/>
-              <a:t>MIDI </a:t>
-            </a:r>
-            <a:r>
-              <a:rPr lang="de-DE" dirty="0" err="1"/>
-              <a:t>file</a:t>
-            </a:r>
-            <a:endParaRPr lang="de-DE" dirty="0"/>
-          </a:p>
-        </p:txBody>
-      </p:sp>
-      <p:sp>
-        <p:nvSpPr>
-          <p:cNvPr id="9" name="Rechteck 8">
-            <a:extLst>
-              <a:ext uri="{FF2B5EF4-FFF2-40B4-BE49-F238E27FC236}">
-                <a16:creationId xmlns:a16="http://schemas.microsoft.com/office/drawing/2014/main" id="{FAF68C41-13D7-4966-A036-3A25C7A46CC2}"/>
-              </a:ext>
-            </a:extLst>
-          </p:cNvPr>
-          <p:cNvSpPr/>
-          <p:nvPr/>
-        </p:nvSpPr>
-        <p:spPr>
-          <a:xfrm>
-            <a:off x="9531093" y="3873843"/>
-            <a:ext cx="1437587" cy="937853"/>
-          </a:xfrm>
-          <a:prstGeom prst="rect">
-            <a:avLst/>
-          </a:prstGeom>
-        </p:spPr>
-        <p:style>
-          <a:lnRef idx="1">
-            <a:schemeClr val="dk1"/>
-          </a:lnRef>
-          <a:fillRef idx="2">
-            <a:schemeClr val="dk1"/>
-          </a:fillRef>
-          <a:effectRef idx="1">
-            <a:schemeClr val="dk1"/>
-          </a:effectRef>
-          <a:fontRef idx="minor">
-            <a:schemeClr val="dk1"/>
+            <a:schemeClr val="lt1"/>
           </a:fontRef>
         </p:style>
         <p:txBody>
@@ -3634,8 +3626,8 @@
         </p:nvCxnSpPr>
         <p:spPr>
           <a:xfrm>
-            <a:off x="2009990" y="1351634"/>
-            <a:ext cx="453040" cy="0"/>
+            <a:off x="2139693" y="1903566"/>
+            <a:ext cx="1019432" cy="1"/>
           </a:xfrm>
           <a:prstGeom prst="straightConnector1">
             <a:avLst/>
@@ -3669,6 +3661,7 @@
             </a:extLst>
           </p:cNvPr>
           <p:cNvCxnSpPr>
+            <a:cxnSpLocks/>
             <a:stCxn id="5" idx="3"/>
             <a:endCxn id="4" idx="1"/>
           </p:cNvCxnSpPr>
@@ -3676,8 +3669,8 @@
         </p:nvCxnSpPr>
         <p:spPr>
           <a:xfrm>
-            <a:off x="4473146" y="1351634"/>
-            <a:ext cx="665163" cy="0"/>
+            <a:off x="5169241" y="1903567"/>
+            <a:ext cx="615736" cy="0"/>
           </a:xfrm>
           <a:prstGeom prst="straightConnector1">
             <a:avLst/>
@@ -3688,13 +3681,625 @@
         </p:spPr>
         <p:style>
           <a:lnRef idx="1">
-            <a:schemeClr val="accent1"/>
+            <a:schemeClr val="dk1"/>
           </a:lnRef>
           <a:fillRef idx="0">
-            <a:schemeClr val="accent1"/>
+            <a:schemeClr val="dk1"/>
           </a:fillRef>
           <a:effectRef idx="0">
-            <a:schemeClr val="accent1"/>
+            <a:schemeClr val="dk1"/>
+          </a:effectRef>
+          <a:fontRef idx="minor">
+            <a:schemeClr val="tx1"/>
+          </a:fontRef>
+        </p:style>
+      </p:cxnSp>
+      <p:sp>
+        <p:nvSpPr>
+          <p:cNvPr id="19" name="Rechteck 18">
+            <a:extLst>
+              <a:ext uri="{FF2B5EF4-FFF2-40B4-BE49-F238E27FC236}">
+                <a16:creationId xmlns:a16="http://schemas.microsoft.com/office/drawing/2014/main" id="{9E4A5B22-B2D6-4287-AB47-94D42BF4E370}"/>
+              </a:ext>
+            </a:extLst>
+          </p:cNvPr>
+          <p:cNvSpPr/>
+          <p:nvPr/>
+        </p:nvSpPr>
+        <p:spPr>
+          <a:xfrm>
+            <a:off x="6910450" y="1266463"/>
+            <a:ext cx="2000787" cy="555852"/>
+          </a:xfrm>
+          <a:prstGeom prst="rect">
+            <a:avLst/>
+          </a:prstGeom>
+        </p:spPr>
+        <p:style>
+          <a:lnRef idx="1">
+            <a:schemeClr val="accent4"/>
+          </a:lnRef>
+          <a:fillRef idx="2">
+            <a:schemeClr val="accent4"/>
+          </a:fillRef>
+          <a:effectRef idx="1">
+            <a:schemeClr val="accent4"/>
+          </a:effectRef>
+          <a:fontRef idx="minor">
+            <a:schemeClr val="dk1"/>
+          </a:fontRef>
+        </p:style>
+        <p:txBody>
+          <a:bodyPr rtlCol="0" anchor="ctr"/>
+          <a:lstStyle/>
+          <a:p>
+            <a:pPr algn="ctr"/>
+            <a:r>
+              <a:rPr lang="de-DE" sz="1400" dirty="0" err="1"/>
+              <a:t>SheetEventRenderer</a:t>
+            </a:r>
+            <a:endParaRPr lang="de-DE" sz="1400" dirty="0"/>
+          </a:p>
+        </p:txBody>
+      </p:sp>
+      <p:sp>
+        <p:nvSpPr>
+          <p:cNvPr id="20" name="Rechteck 19">
+            <a:extLst>
+              <a:ext uri="{FF2B5EF4-FFF2-40B4-BE49-F238E27FC236}">
+                <a16:creationId xmlns:a16="http://schemas.microsoft.com/office/drawing/2014/main" id="{DB22D154-AF77-453B-9E02-423FAE56811D}"/>
+              </a:ext>
+            </a:extLst>
+          </p:cNvPr>
+          <p:cNvSpPr/>
+          <p:nvPr/>
+        </p:nvSpPr>
+        <p:spPr>
+          <a:xfrm>
+            <a:off x="6910449" y="1927533"/>
+            <a:ext cx="2000787" cy="576651"/>
+          </a:xfrm>
+          <a:prstGeom prst="rect">
+            <a:avLst/>
+          </a:prstGeom>
+        </p:spPr>
+        <p:style>
+          <a:lnRef idx="1">
+            <a:schemeClr val="accent4"/>
+          </a:lnRef>
+          <a:fillRef idx="2">
+            <a:schemeClr val="accent4"/>
+          </a:fillRef>
+          <a:effectRef idx="1">
+            <a:schemeClr val="accent4"/>
+          </a:effectRef>
+          <a:fontRef idx="minor">
+            <a:schemeClr val="dk1"/>
+          </a:fontRef>
+        </p:style>
+        <p:txBody>
+          <a:bodyPr rtlCol="0" anchor="ctr"/>
+          <a:lstStyle/>
+          <a:p>
+            <a:pPr algn="ctr"/>
+            <a:r>
+              <a:rPr lang="de-DE" sz="1400" dirty="0" err="1"/>
+              <a:t>SheetTemplateRenderer</a:t>
+            </a:r>
+            <a:endParaRPr lang="de-DE" sz="1400" dirty="0"/>
+          </a:p>
+        </p:txBody>
+      </p:sp>
+      <p:cxnSp>
+        <p:nvCxnSpPr>
+          <p:cNvPr id="25" name="Gerade Verbindung mit Pfeil 24">
+            <a:extLst>
+              <a:ext uri="{FF2B5EF4-FFF2-40B4-BE49-F238E27FC236}">
+                <a16:creationId xmlns:a16="http://schemas.microsoft.com/office/drawing/2014/main" id="{3952F97C-967B-4BCB-9528-3C9530788C9A}"/>
+              </a:ext>
+            </a:extLst>
+          </p:cNvPr>
+          <p:cNvCxnSpPr>
+            <a:stCxn id="4" idx="3"/>
+            <a:endCxn id="7" idx="1"/>
+          </p:cNvCxnSpPr>
+          <p:nvPr/>
+        </p:nvCxnSpPr>
+        <p:spPr>
+          <a:xfrm flipV="1">
+            <a:off x="9032787" y="1903564"/>
+            <a:ext cx="1003921" cy="3"/>
+          </a:xfrm>
+          <a:prstGeom prst="straightConnector1">
+            <a:avLst/>
+          </a:prstGeom>
+          <a:ln>
+            <a:tailEnd type="triangle"/>
+          </a:ln>
+        </p:spPr>
+        <p:style>
+          <a:lnRef idx="1">
+            <a:schemeClr val="dk1"/>
+          </a:lnRef>
+          <a:fillRef idx="0">
+            <a:schemeClr val="dk1"/>
+          </a:fillRef>
+          <a:effectRef idx="0">
+            <a:schemeClr val="dk1"/>
+          </a:effectRef>
+          <a:fontRef idx="minor">
+            <a:schemeClr val="tx1"/>
+          </a:fontRef>
+        </p:style>
+      </p:cxnSp>
+      <p:sp>
+        <p:nvSpPr>
+          <p:cNvPr id="32" name="Rechteck 31">
+            <a:extLst>
+              <a:ext uri="{FF2B5EF4-FFF2-40B4-BE49-F238E27FC236}">
+                <a16:creationId xmlns:a16="http://schemas.microsoft.com/office/drawing/2014/main" id="{D802CD2F-16CB-491B-B265-04730AF64210}"/>
+              </a:ext>
+            </a:extLst>
+          </p:cNvPr>
+          <p:cNvSpPr/>
+          <p:nvPr/>
+        </p:nvSpPr>
+        <p:spPr>
+          <a:xfrm>
+            <a:off x="3706941" y="5702306"/>
+            <a:ext cx="1437587" cy="937853"/>
+          </a:xfrm>
+          <a:prstGeom prst="rect">
+            <a:avLst/>
+          </a:prstGeom>
+        </p:spPr>
+        <p:style>
+          <a:lnRef idx="0">
+            <a:schemeClr val="accent6"/>
+          </a:lnRef>
+          <a:fillRef idx="3">
+            <a:schemeClr val="accent6"/>
+          </a:fillRef>
+          <a:effectRef idx="3">
+            <a:schemeClr val="accent6"/>
+          </a:effectRef>
+          <a:fontRef idx="minor">
+            <a:schemeClr val="lt1"/>
+          </a:fontRef>
+        </p:style>
+        <p:txBody>
+          <a:bodyPr rtlCol="0" anchor="ctr"/>
+          <a:lstStyle/>
+          <a:p>
+            <a:pPr algn="ctr"/>
+            <a:r>
+              <a:rPr lang="de-DE" dirty="0"/>
+              <a:t>MIDI File</a:t>
+            </a:r>
+          </a:p>
+        </p:txBody>
+      </p:sp>
+      <p:cxnSp>
+        <p:nvCxnSpPr>
+          <p:cNvPr id="44" name="Verbinder: gewinkelt 43">
+            <a:extLst>
+              <a:ext uri="{FF2B5EF4-FFF2-40B4-BE49-F238E27FC236}">
+                <a16:creationId xmlns:a16="http://schemas.microsoft.com/office/drawing/2014/main" id="{542C9834-54A6-47A6-8EFB-3703CE6385AD}"/>
+              </a:ext>
+            </a:extLst>
+          </p:cNvPr>
+          <p:cNvCxnSpPr>
+            <a:stCxn id="7" idx="2"/>
+            <a:endCxn id="8" idx="1"/>
+          </p:cNvCxnSpPr>
+          <p:nvPr/>
+        </p:nvCxnSpPr>
+        <p:spPr>
+          <a:xfrm rot="5400000">
+            <a:off x="6055982" y="23450"/>
+            <a:ext cx="2350481" cy="7048560"/>
+          </a:xfrm>
+          <a:prstGeom prst="bentConnector4">
+            <a:avLst>
+              <a:gd name="adj1" fmla="val 40025"/>
+              <a:gd name="adj2" fmla="val 110723"/>
+            </a:avLst>
+          </a:prstGeom>
+          <a:ln>
+            <a:tailEnd type="triangle"/>
+          </a:ln>
+        </p:spPr>
+        <p:style>
+          <a:lnRef idx="1">
+            <a:schemeClr val="dk1"/>
+          </a:lnRef>
+          <a:fillRef idx="0">
+            <a:schemeClr val="dk1"/>
+          </a:fillRef>
+          <a:effectRef idx="0">
+            <a:schemeClr val="dk1"/>
+          </a:effectRef>
+          <a:fontRef idx="minor">
+            <a:schemeClr val="tx1"/>
+          </a:fontRef>
+        </p:style>
+      </p:cxnSp>
+      <p:cxnSp>
+        <p:nvCxnSpPr>
+          <p:cNvPr id="47" name="Gerade Verbindung mit Pfeil 46">
+            <a:extLst>
+              <a:ext uri="{FF2B5EF4-FFF2-40B4-BE49-F238E27FC236}">
+                <a16:creationId xmlns:a16="http://schemas.microsoft.com/office/drawing/2014/main" id="{77C8D488-E811-4539-AAB4-41C5BBF1507C}"/>
+              </a:ext>
+            </a:extLst>
+          </p:cNvPr>
+          <p:cNvCxnSpPr>
+            <a:stCxn id="8" idx="3"/>
+            <a:endCxn id="9" idx="1"/>
+          </p:cNvCxnSpPr>
+          <p:nvPr/>
+        </p:nvCxnSpPr>
+        <p:spPr>
+          <a:xfrm>
+            <a:off x="5144529" y="4722971"/>
+            <a:ext cx="729865" cy="0"/>
+          </a:xfrm>
+          <a:prstGeom prst="straightConnector1">
+            <a:avLst/>
+          </a:prstGeom>
+          <a:ln>
+            <a:tailEnd type="triangle"/>
+          </a:ln>
+        </p:spPr>
+        <p:style>
+          <a:lnRef idx="1">
+            <a:schemeClr val="dk1"/>
+          </a:lnRef>
+          <a:fillRef idx="0">
+            <a:schemeClr val="dk1"/>
+          </a:fillRef>
+          <a:effectRef idx="0">
+            <a:schemeClr val="dk1"/>
+          </a:effectRef>
+          <a:fontRef idx="minor">
+            <a:schemeClr val="tx1"/>
+          </a:fontRef>
+        </p:style>
+      </p:cxnSp>
+      <p:cxnSp>
+        <p:nvCxnSpPr>
+          <p:cNvPr id="60" name="Verbinder: gewinkelt 59">
+            <a:extLst>
+              <a:ext uri="{FF2B5EF4-FFF2-40B4-BE49-F238E27FC236}">
+                <a16:creationId xmlns:a16="http://schemas.microsoft.com/office/drawing/2014/main" id="{49DED9BD-D3C0-4A67-8E78-B55FEF036745}"/>
+              </a:ext>
+            </a:extLst>
+          </p:cNvPr>
+          <p:cNvCxnSpPr>
+            <a:stCxn id="9" idx="0"/>
+            <a:endCxn id="8" idx="0"/>
+          </p:cNvCxnSpPr>
+          <p:nvPr/>
+        </p:nvCxnSpPr>
+        <p:spPr>
+          <a:xfrm rot="16200000" flipV="1">
+            <a:off x="5509462" y="3170318"/>
+            <a:ext cx="12700" cy="2167452"/>
+          </a:xfrm>
+          <a:prstGeom prst="bentConnector3">
+            <a:avLst>
+              <a:gd name="adj1" fmla="val 1800000"/>
+            </a:avLst>
+          </a:prstGeom>
+          <a:ln>
+            <a:tailEnd type="triangle"/>
+          </a:ln>
+        </p:spPr>
+        <p:style>
+          <a:lnRef idx="1">
+            <a:schemeClr val="dk1"/>
+          </a:lnRef>
+          <a:fillRef idx="0">
+            <a:schemeClr val="dk1"/>
+          </a:fillRef>
+          <a:effectRef idx="0">
+            <a:schemeClr val="dk1"/>
+          </a:effectRef>
+          <a:fontRef idx="minor">
+            <a:schemeClr val="tx1"/>
+          </a:fontRef>
+        </p:style>
+      </p:cxnSp>
+      <p:cxnSp>
+        <p:nvCxnSpPr>
+          <p:cNvPr id="64" name="Gerade Verbindung mit Pfeil 63">
+            <a:extLst>
+              <a:ext uri="{FF2B5EF4-FFF2-40B4-BE49-F238E27FC236}">
+                <a16:creationId xmlns:a16="http://schemas.microsoft.com/office/drawing/2014/main" id="{DEC17002-9EFB-4907-BF13-021707C26A6D}"/>
+              </a:ext>
+            </a:extLst>
+          </p:cNvPr>
+          <p:cNvCxnSpPr>
+            <a:stCxn id="8" idx="2"/>
+            <a:endCxn id="32" idx="0"/>
+          </p:cNvCxnSpPr>
+          <p:nvPr/>
+        </p:nvCxnSpPr>
+        <p:spPr>
+          <a:xfrm flipH="1">
+            <a:off x="4425735" y="5191897"/>
+            <a:ext cx="1" cy="510409"/>
+          </a:xfrm>
+          <a:prstGeom prst="straightConnector1">
+            <a:avLst/>
+          </a:prstGeom>
+          <a:ln>
+            <a:tailEnd type="triangle"/>
+          </a:ln>
+        </p:spPr>
+        <p:style>
+          <a:lnRef idx="1">
+            <a:schemeClr val="dk1"/>
+          </a:lnRef>
+          <a:fillRef idx="0">
+            <a:schemeClr val="dk1"/>
+          </a:fillRef>
+          <a:effectRef idx="0">
+            <a:schemeClr val="dk1"/>
+          </a:effectRef>
+          <a:fontRef idx="minor">
+            <a:schemeClr val="tx1"/>
+          </a:fontRef>
+        </p:style>
+      </p:cxnSp>
+      <p:sp>
+        <p:nvSpPr>
+          <p:cNvPr id="66" name="Textfeld 65">
+            <a:extLst>
+              <a:ext uri="{FF2B5EF4-FFF2-40B4-BE49-F238E27FC236}">
+                <a16:creationId xmlns:a16="http://schemas.microsoft.com/office/drawing/2014/main" id="{9F1C8C11-4205-4BDD-8004-2A73C1341D37}"/>
+              </a:ext>
+            </a:extLst>
+          </p:cNvPr>
+          <p:cNvSpPr txBox="1"/>
+          <p:nvPr/>
+        </p:nvSpPr>
+        <p:spPr>
+          <a:xfrm>
+            <a:off x="2330411" y="1650534"/>
+            <a:ext cx="637995" cy="276999"/>
+          </a:xfrm>
+          <a:prstGeom prst="rect">
+            <a:avLst/>
+          </a:prstGeom>
+          <a:noFill/>
+        </p:spPr>
+        <p:txBody>
+          <a:bodyPr wrap="none" rtlCol="0">
+            <a:spAutoFit/>
+          </a:bodyPr>
+          <a:lstStyle/>
+          <a:p>
+            <a:r>
+              <a:rPr lang="de-DE" sz="1200" dirty="0" err="1"/>
+              <a:t>creates</a:t>
+            </a:r>
+            <a:endParaRPr lang="de-DE" sz="1200" dirty="0"/>
+          </a:p>
+        </p:txBody>
+      </p:sp>
+      <p:sp>
+        <p:nvSpPr>
+          <p:cNvPr id="69" name="Textfeld 68">
+            <a:extLst>
+              <a:ext uri="{FF2B5EF4-FFF2-40B4-BE49-F238E27FC236}">
+                <a16:creationId xmlns:a16="http://schemas.microsoft.com/office/drawing/2014/main" id="{D4633C5E-C36D-4830-BC6A-669F61DCAC10}"/>
+              </a:ext>
+            </a:extLst>
+          </p:cNvPr>
+          <p:cNvSpPr txBox="1"/>
+          <p:nvPr/>
+        </p:nvSpPr>
+        <p:spPr>
+          <a:xfrm>
+            <a:off x="9092928" y="1626565"/>
+            <a:ext cx="851772" cy="276999"/>
+          </a:xfrm>
+          <a:prstGeom prst="rect">
+            <a:avLst/>
+          </a:prstGeom>
+          <a:noFill/>
+        </p:spPr>
+        <p:txBody>
+          <a:bodyPr wrap="none" rtlCol="0">
+            <a:spAutoFit/>
+          </a:bodyPr>
+          <a:lstStyle/>
+          <a:p>
+            <a:r>
+              <a:rPr lang="de-DE" sz="1200" dirty="0" err="1"/>
+              <a:t>writes</a:t>
+            </a:r>
+            <a:r>
+              <a:rPr lang="de-DE" sz="1200" dirty="0"/>
+              <a:t> </a:t>
+            </a:r>
+            <a:r>
+              <a:rPr lang="de-DE" sz="1200" dirty="0" err="1"/>
+              <a:t>into</a:t>
+            </a:r>
+            <a:endParaRPr lang="de-DE" sz="1200" dirty="0"/>
+          </a:p>
+        </p:txBody>
+      </p:sp>
+      <p:sp>
+        <p:nvSpPr>
+          <p:cNvPr id="72" name="Textfeld 71">
+            <a:extLst>
+              <a:ext uri="{FF2B5EF4-FFF2-40B4-BE49-F238E27FC236}">
+                <a16:creationId xmlns:a16="http://schemas.microsoft.com/office/drawing/2014/main" id="{ECDDC8AE-C269-4B46-8C36-EB3206FDB6D2}"/>
+              </a:ext>
+            </a:extLst>
+          </p:cNvPr>
+          <p:cNvSpPr txBox="1"/>
+          <p:nvPr/>
+        </p:nvSpPr>
+        <p:spPr>
+          <a:xfrm>
+            <a:off x="6673986" y="3036251"/>
+            <a:ext cx="637995" cy="276999"/>
+          </a:xfrm>
+          <a:prstGeom prst="rect">
+            <a:avLst/>
+          </a:prstGeom>
+          <a:noFill/>
+        </p:spPr>
+        <p:txBody>
+          <a:bodyPr wrap="none" rtlCol="0">
+            <a:spAutoFit/>
+          </a:bodyPr>
+          <a:lstStyle/>
+          <a:p>
+            <a:r>
+              <a:rPr lang="de-DE" sz="1200" dirty="0" err="1"/>
+              <a:t>creates</a:t>
+            </a:r>
+            <a:endParaRPr lang="de-DE" sz="1200" dirty="0"/>
+          </a:p>
+        </p:txBody>
+      </p:sp>
+      <p:sp>
+        <p:nvSpPr>
+          <p:cNvPr id="73" name="Textfeld 72">
+            <a:extLst>
+              <a:ext uri="{FF2B5EF4-FFF2-40B4-BE49-F238E27FC236}">
+                <a16:creationId xmlns:a16="http://schemas.microsoft.com/office/drawing/2014/main" id="{FE0D44DE-0DE0-4456-8771-EF40FE5AE28A}"/>
+              </a:ext>
+            </a:extLst>
+          </p:cNvPr>
+          <p:cNvSpPr txBox="1"/>
+          <p:nvPr/>
+        </p:nvSpPr>
+        <p:spPr>
+          <a:xfrm>
+            <a:off x="5169241" y="3754567"/>
+            <a:ext cx="724878" cy="276999"/>
+          </a:xfrm>
+          <a:prstGeom prst="rect">
+            <a:avLst/>
+          </a:prstGeom>
+          <a:noFill/>
+        </p:spPr>
+        <p:txBody>
+          <a:bodyPr wrap="none" rtlCol="0">
+            <a:spAutoFit/>
+          </a:bodyPr>
+          <a:lstStyle/>
+          <a:p>
+            <a:r>
+              <a:rPr lang="de-DE" sz="1200" dirty="0" err="1"/>
+              <a:t>modifies</a:t>
+            </a:r>
+            <a:endParaRPr lang="de-DE" sz="1200" dirty="0"/>
+          </a:p>
+        </p:txBody>
+      </p:sp>
+      <p:sp>
+        <p:nvSpPr>
+          <p:cNvPr id="79" name="Rechteck 78">
+            <a:extLst>
+              <a:ext uri="{FF2B5EF4-FFF2-40B4-BE49-F238E27FC236}">
+                <a16:creationId xmlns:a16="http://schemas.microsoft.com/office/drawing/2014/main" id="{B5A40099-5AF7-4AFC-89EF-C1D68EBBEEC4}"/>
+              </a:ext>
+            </a:extLst>
+          </p:cNvPr>
+          <p:cNvSpPr/>
+          <p:nvPr/>
+        </p:nvSpPr>
+        <p:spPr>
+          <a:xfrm>
+            <a:off x="702106" y="145849"/>
+            <a:ext cx="1437587" cy="937853"/>
+          </a:xfrm>
+          <a:prstGeom prst="rect">
+            <a:avLst/>
+          </a:prstGeom>
+        </p:spPr>
+        <p:style>
+          <a:lnRef idx="0">
+            <a:schemeClr val="accent6"/>
+          </a:lnRef>
+          <a:fillRef idx="3">
+            <a:schemeClr val="accent6"/>
+          </a:fillRef>
+          <a:effectRef idx="3">
+            <a:schemeClr val="accent6"/>
+          </a:effectRef>
+          <a:fontRef idx="minor">
+            <a:schemeClr val="lt1"/>
+          </a:fontRef>
+        </p:style>
+        <p:txBody>
+          <a:bodyPr rtlCol="0" anchor="ctr"/>
+          <a:lstStyle/>
+          <a:p>
+            <a:pPr algn="ctr"/>
+            <a:r>
+              <a:rPr lang="de-DE" dirty="0"/>
+              <a:t>*.</a:t>
+            </a:r>
+            <a:r>
+              <a:rPr lang="de-DE" dirty="0" err="1"/>
+              <a:t>sheet</a:t>
+            </a:r>
+            <a:r>
+              <a:rPr lang="de-DE" dirty="0"/>
+              <a:t> </a:t>
+            </a:r>
+            <a:r>
+              <a:rPr lang="de-DE" dirty="0" err="1"/>
+              <a:t>file</a:t>
+            </a:r>
+            <a:endParaRPr lang="de-DE" dirty="0"/>
+          </a:p>
+        </p:txBody>
+      </p:sp>
+      <p:cxnSp>
+        <p:nvCxnSpPr>
+          <p:cNvPr id="81" name="Gerade Verbindung mit Pfeil 80">
+            <a:extLst>
+              <a:ext uri="{FF2B5EF4-FFF2-40B4-BE49-F238E27FC236}">
+                <a16:creationId xmlns:a16="http://schemas.microsoft.com/office/drawing/2014/main" id="{0E571DD1-7F3C-4F07-B42F-0B2E63C15E92}"/>
+              </a:ext>
+            </a:extLst>
+          </p:cNvPr>
+          <p:cNvCxnSpPr>
+            <a:stCxn id="79" idx="2"/>
+            <a:endCxn id="6" idx="0"/>
+          </p:cNvCxnSpPr>
+          <p:nvPr/>
+        </p:nvCxnSpPr>
+        <p:spPr>
+          <a:xfrm>
+            <a:off x="1420900" y="1083702"/>
+            <a:ext cx="0" cy="350937"/>
+          </a:xfrm>
+          <a:prstGeom prst="straightConnector1">
+            <a:avLst/>
+          </a:prstGeom>
+          <a:ln>
+            <a:tailEnd type="triangle"/>
+          </a:ln>
+        </p:spPr>
+        <p:style>
+          <a:lnRef idx="1">
+            <a:schemeClr val="dk1"/>
+          </a:lnRef>
+          <a:fillRef idx="0">
+            <a:schemeClr val="dk1"/>
+          </a:fillRef>
+          <a:effectRef idx="0">
+            <a:schemeClr val="dk1"/>
           </a:effectRef>
           <a:fontRef idx="minor">
             <a:schemeClr val="tx1"/>
